--- a/PPT/2016 GameEngineProject(1)_채종현.pptx
+++ b/PPT/2016 GameEngineProject(1)_채종현.pptx
@@ -166,7 +166,7 @@
       </p14:sectionLst>
     </p:ext>
     <p:ext uri="{EFAFB233-063F-42B5-8137-9DF3F51BA10A}">
-      <p15:sldGuideLst xmlns="" xmlns:p15="http://schemas.microsoft.com/office/powerpoint/2012/main"/>
+      <p15:sldGuideLst xmlns:p15="http://schemas.microsoft.com/office/powerpoint/2012/main" xmlns=""/>
     </p:ext>
   </p:extLst>
 </p:presentation>
@@ -254,7 +254,7 @@
           <a:p>
             <a:fld id="{3A187361-0C9F-42FD-8779-F78B335F91CF}" type="datetimeFigureOut">
               <a:rPr lang="ko-KR" altLang="en-US" smtClean="0"/>
-              <a:t>2016-03-31</a:t>
+              <a:t>2016-04-01</a:t>
             </a:fld>
             <a:endParaRPr lang="ko-KR" altLang="en-US"/>
           </a:p>
@@ -587,7 +587,7 @@
           <a:p>
             <a:fld id="{093C4A6C-56DC-446E-85F5-12889E98B9DF}" type="slidenum">
               <a:rPr lang="ko-KR" altLang="en-US" smtClean="0"/>
-              <a:t>2</a:t>
+              <a:t>1</a:t>
             </a:fld>
             <a:endParaRPr lang="ko-KR" altLang="en-US"/>
           </a:p>
@@ -596,7 +596,7 @@
     </p:spTree>
     <p:extLst>
       <p:ext uri="{BB962C8B-B14F-4D97-AF65-F5344CB8AC3E}">
-        <p14:creationId xmlns:p14="http://schemas.microsoft.com/office/powerpoint/2010/main" val="1335381072"/>
+        <p14:creationId xmlns:p14="http://schemas.microsoft.com/office/powerpoint/2010/main" val="468471005"/>
       </p:ext>
     </p:extLst>
   </p:cSld>
@@ -650,38 +650,6 @@
           <a:bodyPr/>
           <a:lstStyle/>
           <a:p>
-            <a:r>
-              <a:rPr lang="ko-KR" altLang="en-US" dirty="0" smtClean="0"/>
-              <a:t>게임이라는 것은 룰 내에서 임무</a:t>
-            </a:r>
-            <a:r>
-              <a:rPr lang="en-US" altLang="ko-KR" dirty="0" smtClean="0"/>
-              <a:t>(Quest)</a:t>
-            </a:r>
-            <a:r>
-              <a:rPr lang="ko-KR" altLang="en-US" dirty="0" smtClean="0"/>
-              <a:t>가 주어지고 이를 사용자가 플레이하며 상호작용한 결과</a:t>
-            </a:r>
-            <a:r>
-              <a:rPr lang="en-US" altLang="ko-KR" baseline="0" dirty="0" smtClean="0"/>
-              <a:t>(</a:t>
-            </a:r>
-            <a:r>
-              <a:rPr lang="ko-KR" altLang="en-US" baseline="0" dirty="0" smtClean="0"/>
-              <a:t>보상</a:t>
-            </a:r>
-            <a:r>
-              <a:rPr lang="en-US" altLang="ko-KR" baseline="0" dirty="0" smtClean="0"/>
-              <a:t>)</a:t>
-            </a:r>
-            <a:r>
-              <a:rPr lang="ko-KR" altLang="en-US" baseline="0" dirty="0" smtClean="0"/>
-              <a:t>을</a:t>
-            </a:r>
-            <a:r>
-              <a:rPr lang="ko-KR" altLang="en-US" dirty="0" smtClean="0"/>
-              <a:t> 받는 오락 </a:t>
-            </a:r>
             <a:endParaRPr lang="ko-KR" altLang="en-US" dirty="0"/>
           </a:p>
         </p:txBody>
@@ -703,7 +671,7 @@
           <a:p>
             <a:fld id="{093C4A6C-56DC-446E-85F5-12889E98B9DF}" type="slidenum">
               <a:rPr lang="ko-KR" altLang="en-US" smtClean="0"/>
-              <a:t>3</a:t>
+              <a:t>2</a:t>
             </a:fld>
             <a:endParaRPr lang="ko-KR" altLang="en-US"/>
           </a:p>
@@ -712,7 +680,7 @@
     </p:spTree>
     <p:extLst>
       <p:ext uri="{BB962C8B-B14F-4D97-AF65-F5344CB8AC3E}">
-        <p14:creationId xmlns:p14="http://schemas.microsoft.com/office/powerpoint/2010/main" val="1625946568"/>
+        <p14:creationId xmlns:p14="http://schemas.microsoft.com/office/powerpoint/2010/main" val="1335381072"/>
       </p:ext>
     </p:extLst>
   </p:cSld>
@@ -768,6 +736,122 @@
           <a:p>
             <a:r>
               <a:rPr lang="ko-KR" altLang="en-US" dirty="0" smtClean="0"/>
+              <a:t>게임이라는 것은 룰 내에서 임무</a:t>
+            </a:r>
+            <a:r>
+              <a:rPr lang="en-US" altLang="ko-KR" dirty="0" smtClean="0"/>
+              <a:t>(Quest)</a:t>
+            </a:r>
+            <a:r>
+              <a:rPr lang="ko-KR" altLang="en-US" dirty="0" smtClean="0"/>
+              <a:t>가 주어지고 이를 사용자가 플레이하며 상호작용한 결과</a:t>
+            </a:r>
+            <a:r>
+              <a:rPr lang="en-US" altLang="ko-KR" baseline="0" dirty="0" smtClean="0"/>
+              <a:t>(</a:t>
+            </a:r>
+            <a:r>
+              <a:rPr lang="ko-KR" altLang="en-US" baseline="0" dirty="0" smtClean="0"/>
+              <a:t>보상</a:t>
+            </a:r>
+            <a:r>
+              <a:rPr lang="en-US" altLang="ko-KR" baseline="0" dirty="0" smtClean="0"/>
+              <a:t>)</a:t>
+            </a:r>
+            <a:r>
+              <a:rPr lang="ko-KR" altLang="en-US" baseline="0" dirty="0" smtClean="0"/>
+              <a:t>을</a:t>
+            </a:r>
+            <a:r>
+              <a:rPr lang="ko-KR" altLang="en-US" dirty="0" smtClean="0"/>
+              <a:t> 받는 오락 </a:t>
+            </a:r>
+            <a:endParaRPr lang="ko-KR" altLang="en-US" dirty="0"/>
+          </a:p>
+        </p:txBody>
+      </p:sp>
+      <p:sp>
+        <p:nvSpPr>
+          <p:cNvPr id="4" name="슬라이드 번호 개체 틀 3"/>
+          <p:cNvSpPr>
+            <a:spLocks noGrp="1"/>
+          </p:cNvSpPr>
+          <p:nvPr>
+            <p:ph type="sldNum" sz="quarter" idx="10"/>
+          </p:nvPr>
+        </p:nvSpPr>
+        <p:spPr/>
+        <p:txBody>
+          <a:bodyPr/>
+          <a:lstStyle/>
+          <a:p>
+            <a:fld id="{093C4A6C-56DC-446E-85F5-12889E98B9DF}" type="slidenum">
+              <a:rPr lang="ko-KR" altLang="en-US" smtClean="0"/>
+              <a:t>3</a:t>
+            </a:fld>
+            <a:endParaRPr lang="ko-KR" altLang="en-US"/>
+          </a:p>
+        </p:txBody>
+      </p:sp>
+    </p:spTree>
+    <p:extLst>
+      <p:ext uri="{BB962C8B-B14F-4D97-AF65-F5344CB8AC3E}">
+        <p14:creationId xmlns:p14="http://schemas.microsoft.com/office/powerpoint/2010/main" val="1625946568"/>
+      </p:ext>
+    </p:extLst>
+  </p:cSld>
+  <p:clrMapOvr>
+    <a:masterClrMapping/>
+  </p:clrMapOvr>
+</p:notes>
+</file>
+
+<file path=ppt/notesSlides/notesSlide4.xml><?xml version="1.0" encoding="utf-8"?>
+<p:notes xmlns:a="http://schemas.openxmlformats.org/drawingml/2006/main" xmlns:r="http://schemas.openxmlformats.org/officeDocument/2006/relationships" xmlns:p="http://schemas.openxmlformats.org/presentationml/2006/main">
+  <p:cSld>
+    <p:spTree>
+      <p:nvGrpSpPr>
+        <p:cNvPr id="1" name=""/>
+        <p:cNvGrpSpPr/>
+        <p:nvPr/>
+      </p:nvGrpSpPr>
+      <p:grpSpPr>
+        <a:xfrm>
+          <a:off x="0" y="0"/>
+          <a:ext cx="0" cy="0"/>
+          <a:chOff x="0" y="0"/>
+          <a:chExt cx="0" cy="0"/>
+        </a:xfrm>
+      </p:grpSpPr>
+      <p:sp>
+        <p:nvSpPr>
+          <p:cNvPr id="2" name="슬라이드 이미지 개체 틀 1"/>
+          <p:cNvSpPr>
+            <a:spLocks noGrp="1" noRot="1" noChangeAspect="1"/>
+          </p:cNvSpPr>
+          <p:nvPr>
+            <p:ph type="sldImg"/>
+          </p:nvPr>
+        </p:nvSpPr>
+        <p:spPr/>
+      </p:sp>
+      <p:sp>
+        <p:nvSpPr>
+          <p:cNvPr id="3" name="슬라이드 노트 개체 틀 2"/>
+          <p:cNvSpPr>
+            <a:spLocks noGrp="1"/>
+          </p:cNvSpPr>
+          <p:nvPr>
+            <p:ph type="body" idx="1"/>
+          </p:nvPr>
+        </p:nvSpPr>
+        <p:spPr/>
+        <p:txBody>
+          <a:bodyPr/>
+          <a:lstStyle/>
+          <a:p>
+            <a:r>
+              <a:rPr lang="ko-KR" altLang="en-US" dirty="0" smtClean="0"/>
               <a:t>일반 대중들이 갖는 게임에 대한 인식입니다</a:t>
             </a:r>
             <a:r>
@@ -979,7 +1063,7 @@
 </p:notes>
 </file>
 
-<file path=ppt/notesSlides/notesSlide4.xml><?xml version="1.0" encoding="utf-8"?>
+<file path=ppt/notesSlides/notesSlide5.xml><?xml version="1.0" encoding="utf-8"?>
 <p:notes xmlns:a="http://schemas.openxmlformats.org/drawingml/2006/main" xmlns:r="http://schemas.openxmlformats.org/officeDocument/2006/relationships" xmlns:p="http://schemas.openxmlformats.org/presentationml/2006/main">
   <p:cSld>
     <p:spTree>
@@ -17576,70 +17660,9 @@
           <a:chExt cx="0" cy="0"/>
         </a:xfrm>
       </p:grpSpPr>
-      <p:pic>
-        <p:nvPicPr>
-          <p:cNvPr id="6" name="그림 5"/>
-          <p:cNvPicPr preferRelativeResize="0">
-            <a:picLocks/>
-          </p:cNvPicPr>
-          <p:nvPr/>
-        </p:nvPicPr>
-        <p:blipFill>
-          <a:blip r:embed="rId2">
-            <a:lum/>
-            <a:extLst>
-              <a:ext uri="{28A0092B-C50C-407E-A947-70E740481C1C}">
-                <a14:useLocalDpi xmlns:a14="http://schemas.microsoft.com/office/drawing/2010/main" val="0"/>
-              </a:ext>
-            </a:extLst>
-          </a:blip>
-          <a:stretch>
-            <a:fillRect/>
-          </a:stretch>
-        </p:blipFill>
-        <p:spPr>
-          <a:xfrm>
-            <a:off x="113184" y="1052736"/>
-            <a:ext cx="3096344" cy="2016224"/>
-          </a:xfrm>
-          <a:prstGeom prst="rect">
-            <a:avLst/>
-          </a:prstGeom>
-          <a:solidFill>
-            <a:srgbClr val="FFFFFF">
-              <a:shade val="85000"/>
-            </a:srgbClr>
-          </a:solidFill>
-          <a:ln w="88900" cap="sq">
-            <a:solidFill>
-              <a:srgbClr val="FFFFFF"/>
-            </a:solidFill>
-            <a:miter lim="800000"/>
-          </a:ln>
-          <a:effectLst>
-            <a:outerShdw blurRad="55000" dist="18000" dir="5400000" algn="tl" rotWithShape="0">
-              <a:srgbClr val="000000">
-                <a:alpha val="40000"/>
-              </a:srgbClr>
-            </a:outerShdw>
-          </a:effectLst>
-          <a:scene3d>
-            <a:camera prst="orthographicFront"/>
-            <a:lightRig rig="twoPt" dir="t">
-              <a:rot lat="0" lon="0" rev="7200000"/>
-            </a:lightRig>
-          </a:scene3d>
-          <a:sp3d>
-            <a:bevelT w="25400" h="19050"/>
-            <a:contourClr>
-              <a:srgbClr val="FFFFFF"/>
-            </a:contourClr>
-          </a:sp3d>
-        </p:spPr>
-      </p:pic>
-      <p:sp>
-        <p:nvSpPr>
-          <p:cNvPr id="7" name="Rectangle 2"/>
+      <p:sp>
+        <p:nvSpPr>
+          <p:cNvPr id="10" name="Rectangle 3"/>
           <p:cNvSpPr txBox="1">
             <a:spLocks noChangeArrowheads="1"/>
           </p:cNvSpPr>
@@ -17647,238 +17670,8 @@
         </p:nvSpPr>
         <p:spPr bwMode="auto">
           <a:xfrm>
-            <a:off x="0" y="3141712"/>
-            <a:ext cx="6248400" cy="1295400"/>
-          </a:xfrm>
-          <a:prstGeom prst="rect">
-            <a:avLst/>
-          </a:prstGeom>
-          <a:noFill/>
-          <a:ln>
-            <a:noFill/>
-          </a:ln>
-          <a:effectLst/>
-          <a:extLst>
-            <a:ext uri="{909E8E84-426E-40DD-AFC4-6F175D3DCCD1}">
-              <a14:hiddenFill xmlns:a14="http://schemas.microsoft.com/office/drawing/2010/main">
-                <a:solidFill>
-                  <a:schemeClr val="accent1"/>
-                </a:solidFill>
-              </a14:hiddenFill>
-            </a:ext>
-            <a:ext uri="{91240B29-F687-4F45-9708-019B960494DF}">
-              <a14:hiddenLine xmlns:a14="http://schemas.microsoft.com/office/drawing/2010/main" w="9525">
-                <a:solidFill>
-                  <a:schemeClr val="tx1"/>
-                </a:solidFill>
-                <a:miter lim="800000"/>
-                <a:headEnd/>
-                <a:tailEnd/>
-              </a14:hiddenLine>
-            </a:ext>
-            <a:ext uri="{AF507438-7753-43E0-B8FC-AC1667EBCBE1}">
-              <a14:hiddenEffects xmlns:a14="http://schemas.microsoft.com/office/drawing/2010/main">
-                <a:effectLst>
-                  <a:outerShdw dist="35921" dir="2700000" algn="ctr" rotWithShape="0">
-                    <a:schemeClr val="bg2"/>
-                  </a:outerShdw>
-                </a:effectLst>
-              </a14:hiddenEffects>
-            </a:ext>
-          </a:extLst>
-        </p:spPr>
-        <p:txBody>
-          <a:bodyPr vert="horz" wrap="square" lIns="91440" tIns="45720" rIns="91440" bIns="45720" numCol="1" anchor="ctr" anchorCtr="0" compatLnSpc="1">
-            <a:prstTxWarp prst="textNoShape">
-              <a:avLst/>
-            </a:prstTxWarp>
-          </a:bodyPr>
-          <a:lstStyle>
-            <a:lvl1pPr algn="ctr" rtl="0" eaLnBrk="1" fontAlgn="base" latinLnBrk="1" hangingPunct="1">
-              <a:spcBef>
-                <a:spcPct val="0"/>
-              </a:spcBef>
-              <a:spcAft>
-                <a:spcPct val="0"/>
-              </a:spcAft>
-              <a:defRPr sz="4800" kern="1200">
-                <a:solidFill>
-                  <a:schemeClr val="bg1"/>
-                </a:solidFill>
-                <a:latin typeface="+mj-lt"/>
-                <a:ea typeface="+mj-ea"/>
-                <a:cs typeface="+mj-cs"/>
-              </a:defRPr>
-            </a:lvl1pPr>
-            <a:lvl2pPr algn="l" rtl="0" eaLnBrk="1" fontAlgn="base" latinLnBrk="1" hangingPunct="1">
-              <a:spcBef>
-                <a:spcPct val="0"/>
-              </a:spcBef>
-              <a:spcAft>
-                <a:spcPct val="0"/>
-              </a:spcAft>
-              <a:defRPr sz="3600">
-                <a:solidFill>
-                  <a:schemeClr val="tx1"/>
-                </a:solidFill>
-                <a:latin typeface="Impact" panose="020B0806030902050204" pitchFamily="34" charset="0"/>
-              </a:defRPr>
-            </a:lvl2pPr>
-            <a:lvl3pPr algn="l" rtl="0" eaLnBrk="1" fontAlgn="base" latinLnBrk="1" hangingPunct="1">
-              <a:spcBef>
-                <a:spcPct val="0"/>
-              </a:spcBef>
-              <a:spcAft>
-                <a:spcPct val="0"/>
-              </a:spcAft>
-              <a:defRPr sz="3600">
-                <a:solidFill>
-                  <a:schemeClr val="tx1"/>
-                </a:solidFill>
-                <a:latin typeface="Impact" panose="020B0806030902050204" pitchFamily="34" charset="0"/>
-              </a:defRPr>
-            </a:lvl3pPr>
-            <a:lvl4pPr algn="l" rtl="0" eaLnBrk="1" fontAlgn="base" latinLnBrk="1" hangingPunct="1">
-              <a:spcBef>
-                <a:spcPct val="0"/>
-              </a:spcBef>
-              <a:spcAft>
-                <a:spcPct val="0"/>
-              </a:spcAft>
-              <a:defRPr sz="3600">
-                <a:solidFill>
-                  <a:schemeClr val="tx1"/>
-                </a:solidFill>
-                <a:latin typeface="Impact" panose="020B0806030902050204" pitchFamily="34" charset="0"/>
-              </a:defRPr>
-            </a:lvl4pPr>
-            <a:lvl5pPr algn="l" rtl="0" eaLnBrk="1" fontAlgn="base" latinLnBrk="1" hangingPunct="1">
-              <a:spcBef>
-                <a:spcPct val="0"/>
-              </a:spcBef>
-              <a:spcAft>
-                <a:spcPct val="0"/>
-              </a:spcAft>
-              <a:defRPr sz="3600">
-                <a:solidFill>
-                  <a:schemeClr val="tx1"/>
-                </a:solidFill>
-                <a:latin typeface="Impact" panose="020B0806030902050204" pitchFamily="34" charset="0"/>
-              </a:defRPr>
-            </a:lvl5pPr>
-            <a:lvl6pPr marL="457200" algn="l" rtl="0" eaLnBrk="1" fontAlgn="base" latinLnBrk="1" hangingPunct="1">
-              <a:spcBef>
-                <a:spcPct val="0"/>
-              </a:spcBef>
-              <a:spcAft>
-                <a:spcPct val="0"/>
-              </a:spcAft>
-              <a:defRPr sz="3600">
-                <a:solidFill>
-                  <a:schemeClr val="tx1"/>
-                </a:solidFill>
-                <a:latin typeface="Impact" panose="020B0806030902050204" pitchFamily="34" charset="0"/>
-              </a:defRPr>
-            </a:lvl6pPr>
-            <a:lvl7pPr marL="914400" algn="l" rtl="0" eaLnBrk="1" fontAlgn="base" latinLnBrk="1" hangingPunct="1">
-              <a:spcBef>
-                <a:spcPct val="0"/>
-              </a:spcBef>
-              <a:spcAft>
-                <a:spcPct val="0"/>
-              </a:spcAft>
-              <a:defRPr sz="3600">
-                <a:solidFill>
-                  <a:schemeClr val="tx1"/>
-                </a:solidFill>
-                <a:latin typeface="Impact" panose="020B0806030902050204" pitchFamily="34" charset="0"/>
-              </a:defRPr>
-            </a:lvl7pPr>
-            <a:lvl8pPr marL="1371600" algn="l" rtl="0" eaLnBrk="1" fontAlgn="base" latinLnBrk="1" hangingPunct="1">
-              <a:spcBef>
-                <a:spcPct val="0"/>
-              </a:spcBef>
-              <a:spcAft>
-                <a:spcPct val="0"/>
-              </a:spcAft>
-              <a:defRPr sz="3600">
-                <a:solidFill>
-                  <a:schemeClr val="tx1"/>
-                </a:solidFill>
-                <a:latin typeface="Impact" panose="020B0806030902050204" pitchFamily="34" charset="0"/>
-              </a:defRPr>
-            </a:lvl8pPr>
-            <a:lvl9pPr marL="1828800" algn="l" rtl="0" eaLnBrk="1" fontAlgn="base" latinLnBrk="1" hangingPunct="1">
-              <a:spcBef>
-                <a:spcPct val="0"/>
-              </a:spcBef>
-              <a:spcAft>
-                <a:spcPct val="0"/>
-              </a:spcAft>
-              <a:defRPr sz="3600">
-                <a:solidFill>
-                  <a:schemeClr val="tx1"/>
-                </a:solidFill>
-                <a:latin typeface="Impact" panose="020B0806030902050204" pitchFamily="34" charset="0"/>
-              </a:defRPr>
-            </a:lvl9pPr>
-          </a:lstStyle>
-          <a:p>
-            <a:r>
-              <a:rPr lang="ko-KR" altLang="en-US" sz="4000" b="1" dirty="0" smtClean="0">
-                <a:solidFill>
-                  <a:srgbClr val="777777"/>
-                </a:solidFill>
-                <a:latin typeface="HY견고딕" panose="02030600000101010101" pitchFamily="18" charset="-127"/>
-                <a:ea typeface="HY견고딕" panose="02030600000101010101" pitchFamily="18" charset="-127"/>
-                <a:cs typeface="Segoe UI Black" panose="020B0A02040204020203" pitchFamily="34" charset="0"/>
-              </a:rPr>
-              <a:t>게임엔진프로그래밍</a:t>
-            </a:r>
-            <a:endParaRPr lang="en-US" altLang="ko-KR" sz="4000" b="1" dirty="0" smtClean="0">
-              <a:solidFill>
-                <a:srgbClr val="777777"/>
-              </a:solidFill>
-              <a:latin typeface="HY견고딕" panose="02030600000101010101" pitchFamily="18" charset="-127"/>
-              <a:ea typeface="HY견고딕" panose="02030600000101010101" pitchFamily="18" charset="-127"/>
-              <a:cs typeface="Segoe UI Black" panose="020B0A02040204020203" pitchFamily="34" charset="0"/>
-            </a:endParaRPr>
-          </a:p>
-          <a:p>
-            <a:r>
-              <a:rPr lang="en-US" altLang="ko-KR" sz="4000" b="1" dirty="0" smtClean="0">
-                <a:solidFill>
-                  <a:srgbClr val="777777"/>
-                </a:solidFill>
-                <a:latin typeface="Segoe UI Black" panose="020B0A02040204020203" pitchFamily="34" charset="0"/>
-                <a:ea typeface="Segoe UI Black" panose="020B0A02040204020203" pitchFamily="34" charset="0"/>
-                <a:cs typeface="Segoe UI Black" panose="020B0A02040204020203" pitchFamily="34" charset="0"/>
-              </a:rPr>
-              <a:t>TermProject#1</a:t>
-            </a:r>
-            <a:endParaRPr lang="en-US" altLang="ko-KR" sz="4000" b="1" dirty="0">
-              <a:solidFill>
-                <a:srgbClr val="777777"/>
-              </a:solidFill>
-              <a:latin typeface="Segoe UI Black" panose="020B0A02040204020203" pitchFamily="34" charset="0"/>
-              <a:ea typeface="Segoe UI Black" panose="020B0A02040204020203" pitchFamily="34" charset="0"/>
-              <a:cs typeface="Segoe UI Black" panose="020B0A02040204020203" pitchFamily="34" charset="0"/>
-            </a:endParaRPr>
-          </a:p>
-        </p:txBody>
-      </p:sp>
-      <p:sp>
-        <p:nvSpPr>
-          <p:cNvPr id="8" name="Rectangle 3"/>
-          <p:cNvSpPr txBox="1">
-            <a:spLocks noChangeArrowheads="1"/>
-          </p:cNvSpPr>
-          <p:nvPr/>
-        </p:nvSpPr>
-        <p:spPr bwMode="auto">
-          <a:xfrm>
-            <a:off x="685800" y="4653136"/>
-            <a:ext cx="5029200" cy="771128"/>
+            <a:off x="683568" y="3840088"/>
+            <a:ext cx="5029200" cy="483096"/>
           </a:xfrm>
           <a:prstGeom prst="rect">
             <a:avLst/>
@@ -18089,7 +17882,486 @@
               </a:lnSpc>
             </a:pPr>
             <a:r>
-              <a:rPr lang="en-US" altLang="ko-KR" b="0" dirty="0" smtClean="0">
+              <a:rPr lang="ko-KR" altLang="en-US" sz="3600" dirty="0" err="1" smtClean="0">
+                <a:latin typeface="HY헤드라인M" panose="02030600000101010101" pitchFamily="18" charset="-127"/>
+                <a:ea typeface="HY헤드라인M" panose="02030600000101010101" pitchFamily="18" charset="-127"/>
+              </a:rPr>
+              <a:t>뎅강뎅강</a:t>
+            </a:r>
+            <a:r>
+              <a:rPr lang="ko-KR" altLang="en-US" sz="3600" dirty="0" smtClean="0">
+                <a:latin typeface="HY헤드라인M" panose="02030600000101010101" pitchFamily="18" charset="-127"/>
+                <a:ea typeface="HY헤드라인M" panose="02030600000101010101" pitchFamily="18" charset="-127"/>
+              </a:rPr>
+              <a:t> </a:t>
+            </a:r>
+            <a:r>
+              <a:rPr lang="en-US" altLang="ko-KR" sz="3600" dirty="0" smtClean="0">
+                <a:latin typeface="HY헤드라인M" panose="02030600000101010101" pitchFamily="18" charset="-127"/>
+                <a:ea typeface="HY헤드라인M" panose="02030600000101010101" pitchFamily="18" charset="-127"/>
+              </a:rPr>
+              <a:t>(Slice &amp; Slice) </a:t>
+            </a:r>
+            <a:endParaRPr lang="en-US" altLang="ko-KR" sz="3600" dirty="0" smtClean="0">
+              <a:latin typeface="HY헤드라인M" panose="02030600000101010101" pitchFamily="18" charset="-127"/>
+              <a:ea typeface="HY헤드라인M" panose="02030600000101010101" pitchFamily="18" charset="-127"/>
+            </a:endParaRPr>
+          </a:p>
+        </p:txBody>
+      </p:sp>
+      <p:sp>
+        <p:nvSpPr>
+          <p:cNvPr id="7" name="Rectangle 2"/>
+          <p:cNvSpPr txBox="1">
+            <a:spLocks noChangeArrowheads="1"/>
+          </p:cNvSpPr>
+          <p:nvPr/>
+        </p:nvSpPr>
+        <p:spPr bwMode="auto">
+          <a:xfrm>
+            <a:off x="0" y="2348880"/>
+            <a:ext cx="6248400" cy="1295400"/>
+          </a:xfrm>
+          <a:prstGeom prst="rect">
+            <a:avLst/>
+          </a:prstGeom>
+          <a:noFill/>
+          <a:ln>
+            <a:noFill/>
+          </a:ln>
+          <a:effectLst/>
+          <a:extLst>
+            <a:ext uri="{909E8E84-426E-40DD-AFC4-6F175D3DCCD1}">
+              <a14:hiddenFill xmlns:a14="http://schemas.microsoft.com/office/drawing/2010/main">
+                <a:solidFill>
+                  <a:schemeClr val="accent1"/>
+                </a:solidFill>
+              </a14:hiddenFill>
+            </a:ext>
+            <a:ext uri="{91240B29-F687-4F45-9708-019B960494DF}">
+              <a14:hiddenLine xmlns:a14="http://schemas.microsoft.com/office/drawing/2010/main" w="9525">
+                <a:solidFill>
+                  <a:schemeClr val="tx1"/>
+                </a:solidFill>
+                <a:miter lim="800000"/>
+                <a:headEnd/>
+                <a:tailEnd/>
+              </a14:hiddenLine>
+            </a:ext>
+            <a:ext uri="{AF507438-7753-43E0-B8FC-AC1667EBCBE1}">
+              <a14:hiddenEffects xmlns:a14="http://schemas.microsoft.com/office/drawing/2010/main">
+                <a:effectLst>
+                  <a:outerShdw dist="35921" dir="2700000" algn="ctr" rotWithShape="0">
+                    <a:schemeClr val="bg2"/>
+                  </a:outerShdw>
+                </a:effectLst>
+              </a14:hiddenEffects>
+            </a:ext>
+          </a:extLst>
+        </p:spPr>
+        <p:txBody>
+          <a:bodyPr vert="horz" wrap="square" lIns="91440" tIns="45720" rIns="91440" bIns="45720" numCol="1" anchor="ctr" anchorCtr="0" compatLnSpc="1">
+            <a:prstTxWarp prst="textNoShape">
+              <a:avLst/>
+            </a:prstTxWarp>
+          </a:bodyPr>
+          <a:lstStyle>
+            <a:lvl1pPr algn="ctr" rtl="0" eaLnBrk="1" fontAlgn="base" latinLnBrk="1" hangingPunct="1">
+              <a:spcBef>
+                <a:spcPct val="0"/>
+              </a:spcBef>
+              <a:spcAft>
+                <a:spcPct val="0"/>
+              </a:spcAft>
+              <a:defRPr sz="4800" kern="1200">
+                <a:solidFill>
+                  <a:schemeClr val="bg1"/>
+                </a:solidFill>
+                <a:latin typeface="+mj-lt"/>
+                <a:ea typeface="+mj-ea"/>
+                <a:cs typeface="+mj-cs"/>
+              </a:defRPr>
+            </a:lvl1pPr>
+            <a:lvl2pPr algn="l" rtl="0" eaLnBrk="1" fontAlgn="base" latinLnBrk="1" hangingPunct="1">
+              <a:spcBef>
+                <a:spcPct val="0"/>
+              </a:spcBef>
+              <a:spcAft>
+                <a:spcPct val="0"/>
+              </a:spcAft>
+              <a:defRPr sz="3600">
+                <a:solidFill>
+                  <a:schemeClr val="tx1"/>
+                </a:solidFill>
+                <a:latin typeface="Impact" panose="020B0806030902050204" pitchFamily="34" charset="0"/>
+              </a:defRPr>
+            </a:lvl2pPr>
+            <a:lvl3pPr algn="l" rtl="0" eaLnBrk="1" fontAlgn="base" latinLnBrk="1" hangingPunct="1">
+              <a:spcBef>
+                <a:spcPct val="0"/>
+              </a:spcBef>
+              <a:spcAft>
+                <a:spcPct val="0"/>
+              </a:spcAft>
+              <a:defRPr sz="3600">
+                <a:solidFill>
+                  <a:schemeClr val="tx1"/>
+                </a:solidFill>
+                <a:latin typeface="Impact" panose="020B0806030902050204" pitchFamily="34" charset="0"/>
+              </a:defRPr>
+            </a:lvl3pPr>
+            <a:lvl4pPr algn="l" rtl="0" eaLnBrk="1" fontAlgn="base" latinLnBrk="1" hangingPunct="1">
+              <a:spcBef>
+                <a:spcPct val="0"/>
+              </a:spcBef>
+              <a:spcAft>
+                <a:spcPct val="0"/>
+              </a:spcAft>
+              <a:defRPr sz="3600">
+                <a:solidFill>
+                  <a:schemeClr val="tx1"/>
+                </a:solidFill>
+                <a:latin typeface="Impact" panose="020B0806030902050204" pitchFamily="34" charset="0"/>
+              </a:defRPr>
+            </a:lvl4pPr>
+            <a:lvl5pPr algn="l" rtl="0" eaLnBrk="1" fontAlgn="base" latinLnBrk="1" hangingPunct="1">
+              <a:spcBef>
+                <a:spcPct val="0"/>
+              </a:spcBef>
+              <a:spcAft>
+                <a:spcPct val="0"/>
+              </a:spcAft>
+              <a:defRPr sz="3600">
+                <a:solidFill>
+                  <a:schemeClr val="tx1"/>
+                </a:solidFill>
+                <a:latin typeface="Impact" panose="020B0806030902050204" pitchFamily="34" charset="0"/>
+              </a:defRPr>
+            </a:lvl5pPr>
+            <a:lvl6pPr marL="457200" algn="l" rtl="0" eaLnBrk="1" fontAlgn="base" latinLnBrk="1" hangingPunct="1">
+              <a:spcBef>
+                <a:spcPct val="0"/>
+              </a:spcBef>
+              <a:spcAft>
+                <a:spcPct val="0"/>
+              </a:spcAft>
+              <a:defRPr sz="3600">
+                <a:solidFill>
+                  <a:schemeClr val="tx1"/>
+                </a:solidFill>
+                <a:latin typeface="Impact" panose="020B0806030902050204" pitchFamily="34" charset="0"/>
+              </a:defRPr>
+            </a:lvl6pPr>
+            <a:lvl7pPr marL="914400" algn="l" rtl="0" eaLnBrk="1" fontAlgn="base" latinLnBrk="1" hangingPunct="1">
+              <a:spcBef>
+                <a:spcPct val="0"/>
+              </a:spcBef>
+              <a:spcAft>
+                <a:spcPct val="0"/>
+              </a:spcAft>
+              <a:defRPr sz="3600">
+                <a:solidFill>
+                  <a:schemeClr val="tx1"/>
+                </a:solidFill>
+                <a:latin typeface="Impact" panose="020B0806030902050204" pitchFamily="34" charset="0"/>
+              </a:defRPr>
+            </a:lvl7pPr>
+            <a:lvl8pPr marL="1371600" algn="l" rtl="0" eaLnBrk="1" fontAlgn="base" latinLnBrk="1" hangingPunct="1">
+              <a:spcBef>
+                <a:spcPct val="0"/>
+              </a:spcBef>
+              <a:spcAft>
+                <a:spcPct val="0"/>
+              </a:spcAft>
+              <a:defRPr sz="3600">
+                <a:solidFill>
+                  <a:schemeClr val="tx1"/>
+                </a:solidFill>
+                <a:latin typeface="Impact" panose="020B0806030902050204" pitchFamily="34" charset="0"/>
+              </a:defRPr>
+            </a:lvl8pPr>
+            <a:lvl9pPr marL="1828800" algn="l" rtl="0" eaLnBrk="1" fontAlgn="base" latinLnBrk="1" hangingPunct="1">
+              <a:spcBef>
+                <a:spcPct val="0"/>
+              </a:spcBef>
+              <a:spcAft>
+                <a:spcPct val="0"/>
+              </a:spcAft>
+              <a:defRPr sz="3600">
+                <a:solidFill>
+                  <a:schemeClr val="tx1"/>
+                </a:solidFill>
+                <a:latin typeface="Impact" panose="020B0806030902050204" pitchFamily="34" charset="0"/>
+              </a:defRPr>
+            </a:lvl9pPr>
+          </a:lstStyle>
+          <a:p>
+            <a:r>
+              <a:rPr lang="ko-KR" altLang="en-US" sz="4000" b="1" dirty="0" smtClean="0">
+                <a:solidFill>
+                  <a:srgbClr val="777777"/>
+                </a:solidFill>
+                <a:latin typeface="HY견고딕" panose="02030600000101010101" pitchFamily="18" charset="-127"/>
+                <a:ea typeface="HY견고딕" panose="02030600000101010101" pitchFamily="18" charset="-127"/>
+                <a:cs typeface="Segoe UI Black" panose="020B0A02040204020203" pitchFamily="34" charset="0"/>
+              </a:rPr>
+              <a:t>게임엔진프로그래밍</a:t>
+            </a:r>
+            <a:endParaRPr lang="en-US" altLang="ko-KR" sz="4000" b="1" dirty="0" smtClean="0">
+              <a:solidFill>
+                <a:srgbClr val="777777"/>
+              </a:solidFill>
+              <a:latin typeface="HY견고딕" panose="02030600000101010101" pitchFamily="18" charset="-127"/>
+              <a:ea typeface="HY견고딕" panose="02030600000101010101" pitchFamily="18" charset="-127"/>
+              <a:cs typeface="Segoe UI Black" panose="020B0A02040204020203" pitchFamily="34" charset="0"/>
+            </a:endParaRPr>
+          </a:p>
+          <a:p>
+            <a:r>
+              <a:rPr lang="en-US" altLang="ko-KR" sz="4000" b="1" dirty="0" smtClean="0">
+                <a:solidFill>
+                  <a:srgbClr val="002060"/>
+                </a:solidFill>
+                <a:latin typeface="Segoe UI Black" panose="020B0A02040204020203" pitchFamily="34" charset="0"/>
+                <a:ea typeface="Segoe UI Black" panose="020B0A02040204020203" pitchFamily="34" charset="0"/>
+                <a:cs typeface="Segoe UI Black" panose="020B0A02040204020203" pitchFamily="34" charset="0"/>
+              </a:rPr>
+              <a:t>TermProject#1</a:t>
+            </a:r>
+            <a:endParaRPr lang="en-US" altLang="ko-KR" sz="4000" b="1" dirty="0">
+              <a:solidFill>
+                <a:srgbClr val="002060"/>
+              </a:solidFill>
+              <a:latin typeface="Segoe UI Black" panose="020B0A02040204020203" pitchFamily="34" charset="0"/>
+              <a:ea typeface="Segoe UI Black" panose="020B0A02040204020203" pitchFamily="34" charset="0"/>
+              <a:cs typeface="Segoe UI Black" panose="020B0A02040204020203" pitchFamily="34" charset="0"/>
+            </a:endParaRPr>
+          </a:p>
+        </p:txBody>
+      </p:sp>
+      <p:sp>
+        <p:nvSpPr>
+          <p:cNvPr id="8" name="Rectangle 3"/>
+          <p:cNvSpPr txBox="1">
+            <a:spLocks noChangeArrowheads="1"/>
+          </p:cNvSpPr>
+          <p:nvPr/>
+        </p:nvSpPr>
+        <p:spPr bwMode="auto">
+          <a:xfrm>
+            <a:off x="685800" y="4509120"/>
+            <a:ext cx="5029200" cy="771128"/>
+          </a:xfrm>
+          <a:prstGeom prst="rect">
+            <a:avLst/>
+          </a:prstGeom>
+          <a:noFill/>
+          <a:ln>
+            <a:noFill/>
+          </a:ln>
+          <a:effectLst/>
+          <a:extLst>
+            <a:ext uri="{909E8E84-426E-40DD-AFC4-6F175D3DCCD1}">
+              <a14:hiddenFill xmlns:a14="http://schemas.microsoft.com/office/drawing/2010/main">
+                <a:solidFill>
+                  <a:schemeClr val="accent1"/>
+                </a:solidFill>
+              </a14:hiddenFill>
+            </a:ext>
+            <a:ext uri="{91240B29-F687-4F45-9708-019B960494DF}">
+              <a14:hiddenLine xmlns:a14="http://schemas.microsoft.com/office/drawing/2010/main" w="9525">
+                <a:solidFill>
+                  <a:schemeClr val="tx1"/>
+                </a:solidFill>
+                <a:miter lim="800000"/>
+                <a:headEnd/>
+                <a:tailEnd/>
+              </a14:hiddenLine>
+            </a:ext>
+            <a:ext uri="{AF507438-7753-43E0-B8FC-AC1667EBCBE1}">
+              <a14:hiddenEffects xmlns:a14="http://schemas.microsoft.com/office/drawing/2010/main">
+                <a:effectLst>
+                  <a:outerShdw dist="35921" dir="2700000" algn="ctr" rotWithShape="0">
+                    <a:schemeClr val="bg2"/>
+                  </a:outerShdw>
+                </a:effectLst>
+              </a14:hiddenEffects>
+            </a:ext>
+          </a:extLst>
+        </p:spPr>
+        <p:txBody>
+          <a:bodyPr vert="horz" wrap="square" lIns="91440" tIns="45720" rIns="91440" bIns="45720" numCol="1" anchor="t" anchorCtr="0" compatLnSpc="1">
+            <a:prstTxWarp prst="textNoShape">
+              <a:avLst/>
+            </a:prstTxWarp>
+          </a:bodyPr>
+          <a:lstStyle>
+            <a:lvl1pPr marL="0" indent="0" algn="ctr" rtl="0" eaLnBrk="1" fontAlgn="base" latinLnBrk="1" hangingPunct="1">
+              <a:spcBef>
+                <a:spcPct val="20000"/>
+              </a:spcBef>
+              <a:spcAft>
+                <a:spcPct val="0"/>
+              </a:spcAft>
+              <a:buSzPct val="200000"/>
+              <a:defRPr sz="2400" b="1" kern="1200">
+                <a:solidFill>
+                  <a:schemeClr val="tx1"/>
+                </a:solidFill>
+                <a:latin typeface="+mn-lt"/>
+                <a:ea typeface="+mn-ea"/>
+                <a:cs typeface="+mn-cs"/>
+              </a:defRPr>
+            </a:lvl1pPr>
+            <a:lvl2pPr marL="742950" indent="-285750" algn="l" rtl="0" eaLnBrk="1" fontAlgn="base" latinLnBrk="1" hangingPunct="1">
+              <a:spcBef>
+                <a:spcPct val="20000"/>
+              </a:spcBef>
+              <a:spcAft>
+                <a:spcPct val="0"/>
+              </a:spcAft>
+              <a:buSzPct val="200000"/>
+              <a:defRPr sz="2000" b="1" kern="1200">
+                <a:solidFill>
+                  <a:schemeClr val="tx1"/>
+                </a:solidFill>
+                <a:latin typeface="+mn-lt"/>
+                <a:ea typeface="+mn-ea"/>
+                <a:cs typeface="+mn-cs"/>
+              </a:defRPr>
+            </a:lvl2pPr>
+            <a:lvl3pPr marL="1143000" indent="-228600" algn="l" rtl="0" eaLnBrk="1" fontAlgn="base" latinLnBrk="1" hangingPunct="1">
+              <a:spcBef>
+                <a:spcPct val="20000"/>
+              </a:spcBef>
+              <a:spcAft>
+                <a:spcPct val="0"/>
+              </a:spcAft>
+              <a:buSzPct val="200000"/>
+              <a:defRPr b="1" kern="1200">
+                <a:solidFill>
+                  <a:schemeClr val="tx1"/>
+                </a:solidFill>
+                <a:latin typeface="+mn-lt"/>
+                <a:ea typeface="+mn-ea"/>
+                <a:cs typeface="+mn-cs"/>
+              </a:defRPr>
+            </a:lvl3pPr>
+            <a:lvl4pPr marL="1600200" indent="-228600" algn="l" rtl="0" eaLnBrk="1" fontAlgn="base" latinLnBrk="1" hangingPunct="1">
+              <a:spcBef>
+                <a:spcPct val="20000"/>
+              </a:spcBef>
+              <a:spcAft>
+                <a:spcPct val="0"/>
+              </a:spcAft>
+              <a:buSzPct val="200000"/>
+              <a:defRPr sz="1600" b="1" kern="1200">
+                <a:solidFill>
+                  <a:schemeClr val="tx1"/>
+                </a:solidFill>
+                <a:latin typeface="+mn-lt"/>
+                <a:ea typeface="+mn-ea"/>
+                <a:cs typeface="+mn-cs"/>
+              </a:defRPr>
+            </a:lvl4pPr>
+            <a:lvl5pPr marL="2057400" indent="-228600" algn="l" rtl="0" eaLnBrk="1" fontAlgn="base" latinLnBrk="1" hangingPunct="1">
+              <a:spcBef>
+                <a:spcPct val="20000"/>
+              </a:spcBef>
+              <a:spcAft>
+                <a:spcPct val="0"/>
+              </a:spcAft>
+              <a:buSzPct val="200000"/>
+              <a:defRPr sz="1600" b="1" kern="1200">
+                <a:solidFill>
+                  <a:schemeClr val="tx1"/>
+                </a:solidFill>
+                <a:latin typeface="+mn-lt"/>
+                <a:ea typeface="+mn-ea"/>
+                <a:cs typeface="+mn-cs"/>
+              </a:defRPr>
+            </a:lvl5pPr>
+            <a:lvl6pPr marL="2514600" indent="-228600" algn="l" defTabSz="914400" rtl="0" eaLnBrk="1" latinLnBrk="1" hangingPunct="1">
+              <a:lnSpc>
+                <a:spcPct val="90000"/>
+              </a:lnSpc>
+              <a:spcBef>
+                <a:spcPts val="500"/>
+              </a:spcBef>
+              <a:buFont typeface="Arial" panose="020B0604020202020204" pitchFamily="34" charset="0"/>
+              <a:buChar char="•"/>
+              <a:defRPr sz="1800" kern="1200">
+                <a:solidFill>
+                  <a:schemeClr val="tx1"/>
+                </a:solidFill>
+                <a:latin typeface="+mn-lt"/>
+                <a:ea typeface="+mn-ea"/>
+                <a:cs typeface="+mn-cs"/>
+              </a:defRPr>
+            </a:lvl6pPr>
+            <a:lvl7pPr marL="2971800" indent="-228600" algn="l" defTabSz="914400" rtl="0" eaLnBrk="1" latinLnBrk="1" hangingPunct="1">
+              <a:lnSpc>
+                <a:spcPct val="90000"/>
+              </a:lnSpc>
+              <a:spcBef>
+                <a:spcPts val="500"/>
+              </a:spcBef>
+              <a:buFont typeface="Arial" panose="020B0604020202020204" pitchFamily="34" charset="0"/>
+              <a:buChar char="•"/>
+              <a:defRPr sz="1800" kern="1200">
+                <a:solidFill>
+                  <a:schemeClr val="tx1"/>
+                </a:solidFill>
+                <a:latin typeface="+mn-lt"/>
+                <a:ea typeface="+mn-ea"/>
+                <a:cs typeface="+mn-cs"/>
+              </a:defRPr>
+            </a:lvl7pPr>
+            <a:lvl8pPr marL="3429000" indent="-228600" algn="l" defTabSz="914400" rtl="0" eaLnBrk="1" latinLnBrk="1" hangingPunct="1">
+              <a:lnSpc>
+                <a:spcPct val="90000"/>
+              </a:lnSpc>
+              <a:spcBef>
+                <a:spcPts val="500"/>
+              </a:spcBef>
+              <a:buFont typeface="Arial" panose="020B0604020202020204" pitchFamily="34" charset="0"/>
+              <a:buChar char="•"/>
+              <a:defRPr sz="1800" kern="1200">
+                <a:solidFill>
+                  <a:schemeClr val="tx1"/>
+                </a:solidFill>
+                <a:latin typeface="+mn-lt"/>
+                <a:ea typeface="+mn-ea"/>
+                <a:cs typeface="+mn-cs"/>
+              </a:defRPr>
+            </a:lvl8pPr>
+            <a:lvl9pPr marL="3886200" indent="-228600" algn="l" defTabSz="914400" rtl="0" eaLnBrk="1" latinLnBrk="1" hangingPunct="1">
+              <a:lnSpc>
+                <a:spcPct val="90000"/>
+              </a:lnSpc>
+              <a:spcBef>
+                <a:spcPts val="500"/>
+              </a:spcBef>
+              <a:buFont typeface="Arial" panose="020B0604020202020204" pitchFamily="34" charset="0"/>
+              <a:buChar char="•"/>
+              <a:defRPr sz="1800" kern="1200">
+                <a:solidFill>
+                  <a:schemeClr val="tx1"/>
+                </a:solidFill>
+                <a:latin typeface="+mn-lt"/>
+                <a:ea typeface="+mn-ea"/>
+                <a:cs typeface="+mn-cs"/>
+              </a:defRPr>
+            </a:lvl9pPr>
+          </a:lstStyle>
+          <a:p>
+            <a:pPr>
+              <a:lnSpc>
+                <a:spcPct val="90000"/>
+              </a:lnSpc>
+            </a:pPr>
+            <a:r>
+              <a:rPr lang="en-US" altLang="ko-KR" sz="2800" b="0" dirty="0" smtClean="0">
                 <a:solidFill>
                   <a:schemeClr val="bg1">
                     <a:lumMod val="65000"/>
@@ -18101,7 +18373,7 @@
               <a:t>2011182044 </a:t>
             </a:r>
             <a:r>
-              <a:rPr lang="ko-KR" altLang="en-US" b="0" dirty="0" smtClean="0">
+              <a:rPr lang="ko-KR" altLang="en-US" sz="2800" b="0" dirty="0" smtClean="0">
                 <a:solidFill>
                   <a:schemeClr val="bg1">
                     <a:lumMod val="65000"/>
@@ -18113,7 +18385,7 @@
               <a:t>채종</a:t>
             </a:r>
             <a:r>
-              <a:rPr lang="ko-KR" altLang="en-US" b="0" dirty="0">
+              <a:rPr lang="ko-KR" altLang="en-US" sz="2800" b="0" dirty="0">
                 <a:solidFill>
                   <a:schemeClr val="bg1">
                     <a:lumMod val="65000"/>
@@ -18124,10 +18396,279 @@
               </a:rPr>
               <a:t>현</a:t>
             </a:r>
-            <a:endParaRPr lang="en-US" altLang="ko-KR" b="0" dirty="0" smtClean="0">
+            <a:endParaRPr lang="en-US" altLang="ko-KR" sz="2800" b="0" dirty="0" smtClean="0">
               <a:solidFill>
                 <a:schemeClr val="bg1">
                   <a:lumMod val="65000"/>
+                </a:schemeClr>
+              </a:solidFill>
+              <a:latin typeface="HY헤드라인M" panose="02030600000101010101" pitchFamily="18" charset="-127"/>
+              <a:ea typeface="HY헤드라인M" panose="02030600000101010101" pitchFamily="18" charset="-127"/>
+            </a:endParaRPr>
+          </a:p>
+        </p:txBody>
+      </p:sp>
+      <p:sp>
+        <p:nvSpPr>
+          <p:cNvPr id="9" name="Rectangle 3"/>
+          <p:cNvSpPr txBox="1">
+            <a:spLocks noChangeArrowheads="1"/>
+          </p:cNvSpPr>
+          <p:nvPr/>
+        </p:nvSpPr>
+        <p:spPr bwMode="auto">
+          <a:xfrm>
+            <a:off x="609600" y="3789040"/>
+            <a:ext cx="5029200" cy="483096"/>
+          </a:xfrm>
+          <a:prstGeom prst="rect">
+            <a:avLst/>
+          </a:prstGeom>
+          <a:noFill/>
+          <a:ln>
+            <a:noFill/>
+          </a:ln>
+          <a:effectLst/>
+          <a:extLst>
+            <a:ext uri="{909E8E84-426E-40DD-AFC4-6F175D3DCCD1}">
+              <a14:hiddenFill xmlns:a14="http://schemas.microsoft.com/office/drawing/2010/main">
+                <a:solidFill>
+                  <a:schemeClr val="accent1"/>
+                </a:solidFill>
+              </a14:hiddenFill>
+            </a:ext>
+            <a:ext uri="{91240B29-F687-4F45-9708-019B960494DF}">
+              <a14:hiddenLine xmlns:a14="http://schemas.microsoft.com/office/drawing/2010/main" w="9525">
+                <a:solidFill>
+                  <a:schemeClr val="tx1"/>
+                </a:solidFill>
+                <a:miter lim="800000"/>
+                <a:headEnd/>
+                <a:tailEnd/>
+              </a14:hiddenLine>
+            </a:ext>
+            <a:ext uri="{AF507438-7753-43E0-B8FC-AC1667EBCBE1}">
+              <a14:hiddenEffects xmlns:a14="http://schemas.microsoft.com/office/drawing/2010/main">
+                <a:effectLst>
+                  <a:outerShdw dist="35921" dir="2700000" algn="ctr" rotWithShape="0">
+                    <a:schemeClr val="bg2"/>
+                  </a:outerShdw>
+                </a:effectLst>
+              </a14:hiddenEffects>
+            </a:ext>
+          </a:extLst>
+        </p:spPr>
+        <p:txBody>
+          <a:bodyPr vert="horz" wrap="square" lIns="91440" tIns="45720" rIns="91440" bIns="45720" numCol="1" anchor="t" anchorCtr="0" compatLnSpc="1">
+            <a:prstTxWarp prst="textNoShape">
+              <a:avLst/>
+            </a:prstTxWarp>
+          </a:bodyPr>
+          <a:lstStyle>
+            <a:lvl1pPr marL="0" indent="0" algn="ctr" rtl="0" eaLnBrk="1" fontAlgn="base" latinLnBrk="1" hangingPunct="1">
+              <a:spcBef>
+                <a:spcPct val="20000"/>
+              </a:spcBef>
+              <a:spcAft>
+                <a:spcPct val="0"/>
+              </a:spcAft>
+              <a:buSzPct val="200000"/>
+              <a:defRPr sz="2400" b="1" kern="1200">
+                <a:solidFill>
+                  <a:schemeClr val="tx1"/>
+                </a:solidFill>
+                <a:latin typeface="+mn-lt"/>
+                <a:ea typeface="+mn-ea"/>
+                <a:cs typeface="+mn-cs"/>
+              </a:defRPr>
+            </a:lvl1pPr>
+            <a:lvl2pPr marL="742950" indent="-285750" algn="l" rtl="0" eaLnBrk="1" fontAlgn="base" latinLnBrk="1" hangingPunct="1">
+              <a:spcBef>
+                <a:spcPct val="20000"/>
+              </a:spcBef>
+              <a:spcAft>
+                <a:spcPct val="0"/>
+              </a:spcAft>
+              <a:buSzPct val="200000"/>
+              <a:defRPr sz="2000" b="1" kern="1200">
+                <a:solidFill>
+                  <a:schemeClr val="tx1"/>
+                </a:solidFill>
+                <a:latin typeface="+mn-lt"/>
+                <a:ea typeface="+mn-ea"/>
+                <a:cs typeface="+mn-cs"/>
+              </a:defRPr>
+            </a:lvl2pPr>
+            <a:lvl3pPr marL="1143000" indent="-228600" algn="l" rtl="0" eaLnBrk="1" fontAlgn="base" latinLnBrk="1" hangingPunct="1">
+              <a:spcBef>
+                <a:spcPct val="20000"/>
+              </a:spcBef>
+              <a:spcAft>
+                <a:spcPct val="0"/>
+              </a:spcAft>
+              <a:buSzPct val="200000"/>
+              <a:defRPr b="1" kern="1200">
+                <a:solidFill>
+                  <a:schemeClr val="tx1"/>
+                </a:solidFill>
+                <a:latin typeface="+mn-lt"/>
+                <a:ea typeface="+mn-ea"/>
+                <a:cs typeface="+mn-cs"/>
+              </a:defRPr>
+            </a:lvl3pPr>
+            <a:lvl4pPr marL="1600200" indent="-228600" algn="l" rtl="0" eaLnBrk="1" fontAlgn="base" latinLnBrk="1" hangingPunct="1">
+              <a:spcBef>
+                <a:spcPct val="20000"/>
+              </a:spcBef>
+              <a:spcAft>
+                <a:spcPct val="0"/>
+              </a:spcAft>
+              <a:buSzPct val="200000"/>
+              <a:defRPr sz="1600" b="1" kern="1200">
+                <a:solidFill>
+                  <a:schemeClr val="tx1"/>
+                </a:solidFill>
+                <a:latin typeface="+mn-lt"/>
+                <a:ea typeface="+mn-ea"/>
+                <a:cs typeface="+mn-cs"/>
+              </a:defRPr>
+            </a:lvl4pPr>
+            <a:lvl5pPr marL="2057400" indent="-228600" algn="l" rtl="0" eaLnBrk="1" fontAlgn="base" latinLnBrk="1" hangingPunct="1">
+              <a:spcBef>
+                <a:spcPct val="20000"/>
+              </a:spcBef>
+              <a:spcAft>
+                <a:spcPct val="0"/>
+              </a:spcAft>
+              <a:buSzPct val="200000"/>
+              <a:defRPr sz="1600" b="1" kern="1200">
+                <a:solidFill>
+                  <a:schemeClr val="tx1"/>
+                </a:solidFill>
+                <a:latin typeface="+mn-lt"/>
+                <a:ea typeface="+mn-ea"/>
+                <a:cs typeface="+mn-cs"/>
+              </a:defRPr>
+            </a:lvl5pPr>
+            <a:lvl6pPr marL="2514600" indent="-228600" algn="l" defTabSz="914400" rtl="0" eaLnBrk="1" latinLnBrk="1" hangingPunct="1">
+              <a:lnSpc>
+                <a:spcPct val="90000"/>
+              </a:lnSpc>
+              <a:spcBef>
+                <a:spcPts val="500"/>
+              </a:spcBef>
+              <a:buFont typeface="Arial" panose="020B0604020202020204" pitchFamily="34" charset="0"/>
+              <a:buChar char="•"/>
+              <a:defRPr sz="1800" kern="1200">
+                <a:solidFill>
+                  <a:schemeClr val="tx1"/>
+                </a:solidFill>
+                <a:latin typeface="+mn-lt"/>
+                <a:ea typeface="+mn-ea"/>
+                <a:cs typeface="+mn-cs"/>
+              </a:defRPr>
+            </a:lvl6pPr>
+            <a:lvl7pPr marL="2971800" indent="-228600" algn="l" defTabSz="914400" rtl="0" eaLnBrk="1" latinLnBrk="1" hangingPunct="1">
+              <a:lnSpc>
+                <a:spcPct val="90000"/>
+              </a:lnSpc>
+              <a:spcBef>
+                <a:spcPts val="500"/>
+              </a:spcBef>
+              <a:buFont typeface="Arial" panose="020B0604020202020204" pitchFamily="34" charset="0"/>
+              <a:buChar char="•"/>
+              <a:defRPr sz="1800" kern="1200">
+                <a:solidFill>
+                  <a:schemeClr val="tx1"/>
+                </a:solidFill>
+                <a:latin typeface="+mn-lt"/>
+                <a:ea typeface="+mn-ea"/>
+                <a:cs typeface="+mn-cs"/>
+              </a:defRPr>
+            </a:lvl7pPr>
+            <a:lvl8pPr marL="3429000" indent="-228600" algn="l" defTabSz="914400" rtl="0" eaLnBrk="1" latinLnBrk="1" hangingPunct="1">
+              <a:lnSpc>
+                <a:spcPct val="90000"/>
+              </a:lnSpc>
+              <a:spcBef>
+                <a:spcPts val="500"/>
+              </a:spcBef>
+              <a:buFont typeface="Arial" panose="020B0604020202020204" pitchFamily="34" charset="0"/>
+              <a:buChar char="•"/>
+              <a:defRPr sz="1800" kern="1200">
+                <a:solidFill>
+                  <a:schemeClr val="tx1"/>
+                </a:solidFill>
+                <a:latin typeface="+mn-lt"/>
+                <a:ea typeface="+mn-ea"/>
+                <a:cs typeface="+mn-cs"/>
+              </a:defRPr>
+            </a:lvl8pPr>
+            <a:lvl9pPr marL="3886200" indent="-228600" algn="l" defTabSz="914400" rtl="0" eaLnBrk="1" latinLnBrk="1" hangingPunct="1">
+              <a:lnSpc>
+                <a:spcPct val="90000"/>
+              </a:lnSpc>
+              <a:spcBef>
+                <a:spcPts val="500"/>
+              </a:spcBef>
+              <a:buFont typeface="Arial" panose="020B0604020202020204" pitchFamily="34" charset="0"/>
+              <a:buChar char="•"/>
+              <a:defRPr sz="1800" kern="1200">
+                <a:solidFill>
+                  <a:schemeClr val="tx1"/>
+                </a:solidFill>
+                <a:latin typeface="+mn-lt"/>
+                <a:ea typeface="+mn-ea"/>
+                <a:cs typeface="+mn-cs"/>
+              </a:defRPr>
+            </a:lvl9pPr>
+          </a:lstStyle>
+          <a:p>
+            <a:pPr>
+              <a:lnSpc>
+                <a:spcPct val="90000"/>
+              </a:lnSpc>
+            </a:pPr>
+            <a:r>
+              <a:rPr lang="ko-KR" altLang="en-US" sz="3600" dirty="0" err="1" smtClean="0">
+                <a:solidFill>
+                  <a:schemeClr val="bg1">
+                    <a:lumMod val="95000"/>
+                  </a:schemeClr>
+                </a:solidFill>
+                <a:latin typeface="HY헤드라인M" panose="02030600000101010101" pitchFamily="18" charset="-127"/>
+                <a:ea typeface="HY헤드라인M" panose="02030600000101010101" pitchFamily="18" charset="-127"/>
+              </a:rPr>
+              <a:t>뎅강뎅강</a:t>
+            </a:r>
+            <a:r>
+              <a:rPr lang="ko-KR" altLang="en-US" sz="3600" dirty="0" smtClean="0">
+                <a:solidFill>
+                  <a:schemeClr val="bg1">
+                    <a:lumMod val="95000"/>
+                  </a:schemeClr>
+                </a:solidFill>
+                <a:latin typeface="HY헤드라인M" panose="02030600000101010101" pitchFamily="18" charset="-127"/>
+                <a:ea typeface="HY헤드라인M" panose="02030600000101010101" pitchFamily="18" charset="-127"/>
+              </a:rPr>
+              <a:t> </a:t>
+            </a:r>
+            <a:r>
+              <a:rPr lang="en-US" altLang="ko-KR" sz="3600" dirty="0" smtClean="0">
+                <a:solidFill>
+                  <a:schemeClr val="bg1">
+                    <a:lumMod val="95000"/>
+                  </a:schemeClr>
+                </a:solidFill>
+                <a:latin typeface="HY헤드라인M" panose="02030600000101010101" pitchFamily="18" charset="-127"/>
+                <a:ea typeface="HY헤드라인M" panose="02030600000101010101" pitchFamily="18" charset="-127"/>
+              </a:rPr>
+              <a:t>(Slice &amp; Slice)</a:t>
+            </a:r>
+            <a:endParaRPr lang="en-US" altLang="ko-KR" sz="3600" dirty="0" smtClean="0">
+              <a:solidFill>
+                <a:schemeClr val="bg1">
+                  <a:lumMod val="95000"/>
                 </a:schemeClr>
               </a:solidFill>
               <a:latin typeface="HY헤드라인M" panose="02030600000101010101" pitchFamily="18" charset="-127"/>
@@ -18984,7 +19525,7 @@
         </p:nvSpPr>
         <p:spPr>
           <a:xfrm>
-            <a:off x="251520" y="5733256"/>
+            <a:off x="251520" y="5661248"/>
             <a:ext cx="2877711" cy="923330"/>
           </a:xfrm>
           <a:prstGeom prst="rect">
@@ -19143,7 +19684,7 @@
         </p:blipFill>
         <p:spPr bwMode="auto">
           <a:xfrm>
-            <a:off x="251520" y="1772816"/>
+            <a:off x="251520" y="1910382"/>
             <a:ext cx="4536504" cy="2454722"/>
           </a:xfrm>
           <a:prstGeom prst="rect">
@@ -19186,7 +19727,7 @@
         </p:blipFill>
         <p:spPr bwMode="auto">
           <a:xfrm>
-            <a:off x="4139952" y="4205784"/>
+            <a:off x="4139952" y="4077072"/>
             <a:ext cx="4542160" cy="2630462"/>
           </a:xfrm>
           <a:prstGeom prst="rect">
@@ -19701,7 +20242,7 @@
         </p:nvSpPr>
         <p:spPr>
           <a:xfrm>
-            <a:off x="226105" y="1753652"/>
+            <a:off x="226105" y="1772816"/>
             <a:ext cx="3502883" cy="523220"/>
           </a:xfrm>
           <a:prstGeom prst="rect">
@@ -19875,14 +20416,14 @@
           <p:nvPr>
             <p:extLst>
               <p:ext uri="{D42A27DB-BD31-4B8C-83A1-F6EECF244321}">
-                <p14:modId xmlns:p14="http://schemas.microsoft.com/office/powerpoint/2010/main" val="566298382"/>
+                <p14:modId xmlns:p14="http://schemas.microsoft.com/office/powerpoint/2010/main" val="932350981"/>
               </p:ext>
             </p:extLst>
           </p:nvPr>
         </p:nvGraphicFramePr>
         <p:xfrm>
-          <a:off x="251662" y="2204865"/>
-          <a:ext cx="8568952" cy="4612556"/>
+          <a:off x="251662" y="2276871"/>
+          <a:ext cx="8568952" cy="4560535"/>
         </p:xfrm>
         <a:graphic>
           <a:graphicData uri="http://schemas.openxmlformats.org/drawingml/2006/table">
@@ -19894,7 +20435,7 @@
                 <a:gridCol w="1728192"/>
                 <a:gridCol w="6840760"/>
               </a:tblGrid>
-              <a:tr h="364604">
+              <a:tr h="360050">
                 <a:tc>
                   <a:txBody>
                     <a:bodyPr/>
@@ -19938,7 +20479,7 @@
                   </a:tcPr>
                 </a:tc>
               </a:tr>
-              <a:tr h="666479">
+              <a:tr h="656075">
                 <a:tc>
                   <a:txBody>
                     <a:bodyPr/>
@@ -20004,7 +20545,7 @@
                   <a:tcPr anchor="ctr"/>
                 </a:tc>
               </a:tr>
-              <a:tr h="911510">
+              <a:tr h="900125">
                 <a:tc>
                   <a:txBody>
                     <a:bodyPr/>
@@ -20070,11 +20611,7 @@
                       </a:r>
                       <a:r>
                         <a:rPr lang="en-US" altLang="ko-KR" baseline="0" dirty="0" smtClean="0"/>
-                        <a:t> x 300m (3000 x 3000</a:t>
-                      </a:r>
-                      <a:r>
-                        <a:rPr lang="en-US" altLang="ko-KR" baseline="0" dirty="0" smtClean="0"/>
-                        <a:t>)</a:t>
+                        <a:t> x 300m (3000 x 3000)</a:t>
                       </a:r>
                     </a:p>
                     <a:p>
@@ -20093,7 +20630,7 @@
                   <a:tcPr anchor="ctr"/>
                 </a:tc>
               </a:tr>
-              <a:tr h="666479">
+              <a:tr h="656075">
                 <a:tc>
                   <a:txBody>
                     <a:bodyPr/>
@@ -20194,7 +20731,7 @@
                   <a:tcPr anchor="ctr"/>
                 </a:tc>
               </a:tr>
-              <a:tr h="1332959">
+              <a:tr h="1312150">
                 <a:tc>
                   <a:txBody>
                     <a:bodyPr/>
@@ -20387,7 +20924,7 @@
                   <a:tcPr anchor="ctr"/>
                 </a:tc>
               </a:tr>
-              <a:tr h="666479">
+              <a:tr h="656075">
                 <a:tc>
                   <a:txBody>
                     <a:bodyPr/>
@@ -21673,7 +22210,7 @@
             <p:ph idx="1"/>
             <p:extLst>
               <p:ext uri="{D42A27DB-BD31-4B8C-83A1-F6EECF244321}">
-                <p14:modId xmlns:p14="http://schemas.microsoft.com/office/powerpoint/2010/main" val="1246016008"/>
+                <p14:modId xmlns:p14="http://schemas.microsoft.com/office/powerpoint/2010/main" val="1824913261"/>
               </p:ext>
             </p:extLst>
           </p:nvPr>
@@ -21991,7 +22528,17 @@
                           <a:latin typeface="HY헤드라인M" pitchFamily="18" charset="-127"/>
                           <a:ea typeface="HY헤드라인M" pitchFamily="18" charset="-127"/>
                         </a:rPr>
-                        <a:t>프레임워크 설계</a:t>
+                        <a:t>프레임워크 및 게임구조 </a:t>
+                      </a:r>
+                      <a:r>
+                        <a:rPr lang="ko-KR" altLang="en-US" sz="1400" b="0" i="0" u="none" strike="noStrike" dirty="0" smtClean="0">
+                          <a:solidFill>
+                            <a:srgbClr val="000000"/>
+                          </a:solidFill>
+                          <a:latin typeface="HY헤드라인M" pitchFamily="18" charset="-127"/>
+                          <a:ea typeface="HY헤드라인M" pitchFamily="18" charset="-127"/>
+                        </a:rPr>
+                        <a:t>설계</a:t>
                       </a:r>
                       <a:endParaRPr lang="en-US" altLang="ko-KR" sz="1400" b="0" i="0" u="none" strike="noStrike" dirty="0" smtClean="0">
                         <a:solidFill>
@@ -23844,17 +24391,7 @@
                           <a:latin typeface="HY헤드라인M" pitchFamily="18" charset="-127"/>
                           <a:ea typeface="HY헤드라인M" pitchFamily="18" charset="-127"/>
                         </a:rPr>
-                        <a:t> </a:t>
-                      </a:r>
-                      <a:r>
-                        <a:rPr lang="ko-KR" altLang="en-US" sz="1400" b="0" i="0" u="none" strike="noStrike" dirty="0" smtClean="0">
-                          <a:solidFill>
-                            <a:srgbClr val="000000"/>
-                          </a:solidFill>
-                          <a:latin typeface="HY헤드라인M" pitchFamily="18" charset="-127"/>
-                          <a:ea typeface="HY헤드라인M" pitchFamily="18" charset="-127"/>
-                        </a:rPr>
-                        <a:t>구현</a:t>
+                        <a:t> 구현</a:t>
                       </a:r>
                       <a:endParaRPr lang="en-US" altLang="ko-KR" sz="1400" b="0" i="0" u="none" strike="noStrike" dirty="0" smtClean="0">
                         <a:solidFill>
@@ -24752,7 +25289,7 @@
           </a:lstStyle>
           <a:p>
             <a:r>
-              <a:rPr lang="ko-KR" altLang="en-US" sz="5400" dirty="0" smtClean="0">
+              <a:rPr lang="ko-KR" altLang="en-US" sz="5400" b="1" dirty="0" smtClean="0">
                 <a:solidFill>
                   <a:srgbClr val="777777"/>
                 </a:solidFill>
@@ -24762,7 +25299,7 @@
               <a:t>감 사 합 </a:t>
             </a:r>
             <a:r>
-              <a:rPr lang="ko-KR" altLang="en-US" sz="5400" dirty="0" err="1" smtClean="0">
+              <a:rPr lang="ko-KR" altLang="en-US" sz="5400" b="1" dirty="0" err="1" smtClean="0">
                 <a:solidFill>
                   <a:srgbClr val="777777"/>
                 </a:solidFill>
@@ -24772,7 +25309,7 @@
               <a:t>니</a:t>
             </a:r>
             <a:r>
-              <a:rPr lang="ko-KR" altLang="en-US" sz="5400" dirty="0" smtClean="0">
+              <a:rPr lang="ko-KR" altLang="en-US" sz="5400" b="1" dirty="0" smtClean="0">
                 <a:solidFill>
                   <a:srgbClr val="777777"/>
                 </a:solidFill>
@@ -24781,7 +25318,7 @@
               </a:rPr>
               <a:t> 다</a:t>
             </a:r>
-            <a:endParaRPr lang="en-US" altLang="ko-KR" sz="5400" dirty="0">
+            <a:endParaRPr lang="en-US" altLang="ko-KR" sz="5400" b="1" dirty="0">
               <a:solidFill>
                 <a:srgbClr val="777777"/>
               </a:solidFill>
@@ -25647,7 +26184,7 @@
   </a:extraClrSchemeLst>
   <a:extLst>
     <a:ext uri="{05A4C25C-085E-4340-85A3-A5531E510DB2}">
-      <thm15:themeFamily xmlns="" xmlns:thm15="http://schemas.microsoft.com/office/thememl/2012/main" name="Office Theme" id="{62F939B6-93AF-4DB8-9C6B-D6C7DFDC589F}" vid="{4A3C46E8-61CC-4603-A589-7422A47A8E4A}"/>
+      <thm15:themeFamily xmlns:thm15="http://schemas.microsoft.com/office/thememl/2012/main" xmlns="" name="Office Theme" id="{62F939B6-93AF-4DB8-9C6B-D6C7DFDC589F}" vid="{4A3C46E8-61CC-4603-A589-7422A47A8E4A}"/>
     </a:ext>
   </a:extLst>
 </a:theme>
@@ -26488,7 +27025,7 @@
   </a:extraClrSchemeLst>
   <a:extLst>
     <a:ext uri="{05A4C25C-085E-4340-85A3-A5531E510DB2}">
-      <thm15:themeFamily xmlns="" xmlns:thm15="http://schemas.microsoft.com/office/thememl/2012/main" name="Office Theme" id="{62F939B6-93AF-4DB8-9C6B-D6C7DFDC589F}" vid="{4A3C46E8-61CC-4603-A589-7422A47A8E4A}"/>
+      <thm15:themeFamily xmlns:thm15="http://schemas.microsoft.com/office/thememl/2012/main" xmlns="" name="Office Theme" id="{62F939B6-93AF-4DB8-9C6B-D6C7DFDC589F}" vid="{4A3C46E8-61CC-4603-A589-7422A47A8E4A}"/>
     </a:ext>
   </a:extLst>
 </a:theme>
@@ -27329,7 +27866,7 @@
   </a:extraClrSchemeLst>
   <a:extLst>
     <a:ext uri="{05A4C25C-085E-4340-85A3-A5531E510DB2}">
-      <thm15:themeFamily xmlns="" xmlns:thm15="http://schemas.microsoft.com/office/thememl/2012/main" name="Office Theme" id="{62F939B6-93AF-4DB8-9C6B-D6C7DFDC589F}" vid="{4A3C46E8-61CC-4603-A589-7422A47A8E4A}"/>
+      <thm15:themeFamily xmlns:thm15="http://schemas.microsoft.com/office/thememl/2012/main" xmlns="" name="Office Theme" id="{62F939B6-93AF-4DB8-9C6B-D6C7DFDC589F}" vid="{4A3C46E8-61CC-4603-A589-7422A47A8E4A}"/>
     </a:ext>
   </a:extLst>
 </a:theme>
@@ -28170,7 +28707,7 @@
   </a:extraClrSchemeLst>
   <a:extLst>
     <a:ext uri="{05A4C25C-085E-4340-85A3-A5531E510DB2}">
-      <thm15:themeFamily xmlns="" xmlns:thm15="http://schemas.microsoft.com/office/thememl/2012/main" name="Office Theme" id="{62F939B6-93AF-4DB8-9C6B-D6C7DFDC589F}" vid="{4A3C46E8-61CC-4603-A589-7422A47A8E4A}"/>
+      <thm15:themeFamily xmlns:thm15="http://schemas.microsoft.com/office/thememl/2012/main" xmlns="" name="Office Theme" id="{62F939B6-93AF-4DB8-9C6B-D6C7DFDC589F}" vid="{4A3C46E8-61CC-4603-A589-7422A47A8E4A}"/>
     </a:ext>
   </a:extLst>
 </a:theme>
@@ -28431,7 +28968,7 @@
   <a:extraClrSchemeLst/>
   <a:extLst>
     <a:ext uri="{05A4C25C-085E-4340-85A3-A5531E510DB2}">
-      <thm15:themeFamily xmlns="" xmlns:thm15="http://schemas.microsoft.com/office/thememl/2012/main" name="Office Theme" id="{62F939B6-93AF-4DB8-9C6B-D6C7DFDC589F}" vid="{4A3C46E8-61CC-4603-A589-7422A47A8E4A}"/>
+      <thm15:themeFamily xmlns:thm15="http://schemas.microsoft.com/office/thememl/2012/main" xmlns="" name="Office Theme" id="{62F939B6-93AF-4DB8-9C6B-D6C7DFDC589F}" vid="{4A3C46E8-61CC-4603-A589-7422A47A8E4A}"/>
     </a:ext>
   </a:extLst>
 </a:theme>
